--- a/Презентация.pptx
+++ b/Презентация.pptx
@@ -11,11 +11,10 @@
     <p:sldId id="266" r:id="rId5"/>
     <p:sldId id="262" r:id="rId6"/>
     <p:sldId id="260" r:id="rId7"/>
-    <p:sldId id="265" r:id="rId8"/>
-    <p:sldId id="261" r:id="rId9"/>
-    <p:sldId id="263" r:id="rId10"/>
-    <p:sldId id="264" r:id="rId11"/>
-    <p:sldId id="259" r:id="rId12"/>
+    <p:sldId id="267" r:id="rId8"/>
+    <p:sldId id="265" r:id="rId9"/>
+    <p:sldId id="264" r:id="rId10"/>
+    <p:sldId id="259" r:id="rId11"/>
   </p:sldIdLst>
   <p:sldSz cx="12192000" cy="6858000"/>
   <p:notesSz cx="6858000" cy="9144000"/>
@@ -269,7 +268,7 @@
           <a:p>
             <a:fld id="{88A32176-7EFE-4FE2-84E1-389D53F7E611}" type="datetimeFigureOut">
               <a:rPr lang="ru-RU" smtClean="0"/>
-              <a:t>16.01.2024</a:t>
+              <a:t>19.01.2024</a:t>
             </a:fld>
             <a:endParaRPr lang="ru-RU"/>
           </a:p>
@@ -467,7 +466,7 @@
           <a:p>
             <a:fld id="{88A32176-7EFE-4FE2-84E1-389D53F7E611}" type="datetimeFigureOut">
               <a:rPr lang="ru-RU" smtClean="0"/>
-              <a:t>16.01.2024</a:t>
+              <a:t>19.01.2024</a:t>
             </a:fld>
             <a:endParaRPr lang="ru-RU"/>
           </a:p>
@@ -675,7 +674,7 @@
           <a:p>
             <a:fld id="{88A32176-7EFE-4FE2-84E1-389D53F7E611}" type="datetimeFigureOut">
               <a:rPr lang="ru-RU" smtClean="0"/>
-              <a:t>16.01.2024</a:t>
+              <a:t>19.01.2024</a:t>
             </a:fld>
             <a:endParaRPr lang="ru-RU"/>
           </a:p>
@@ -873,7 +872,7 @@
           <a:p>
             <a:fld id="{88A32176-7EFE-4FE2-84E1-389D53F7E611}" type="datetimeFigureOut">
               <a:rPr lang="ru-RU" smtClean="0"/>
-              <a:t>16.01.2024</a:t>
+              <a:t>19.01.2024</a:t>
             </a:fld>
             <a:endParaRPr lang="ru-RU"/>
           </a:p>
@@ -1148,7 +1147,7 @@
           <a:p>
             <a:fld id="{88A32176-7EFE-4FE2-84E1-389D53F7E611}" type="datetimeFigureOut">
               <a:rPr lang="ru-RU" smtClean="0"/>
-              <a:t>16.01.2024</a:t>
+              <a:t>19.01.2024</a:t>
             </a:fld>
             <a:endParaRPr lang="ru-RU"/>
           </a:p>
@@ -1413,7 +1412,7 @@
           <a:p>
             <a:fld id="{88A32176-7EFE-4FE2-84E1-389D53F7E611}" type="datetimeFigureOut">
               <a:rPr lang="ru-RU" smtClean="0"/>
-              <a:t>16.01.2024</a:t>
+              <a:t>19.01.2024</a:t>
             </a:fld>
             <a:endParaRPr lang="ru-RU"/>
           </a:p>
@@ -1825,7 +1824,7 @@
           <a:p>
             <a:fld id="{88A32176-7EFE-4FE2-84E1-389D53F7E611}" type="datetimeFigureOut">
               <a:rPr lang="ru-RU" smtClean="0"/>
-              <a:t>16.01.2024</a:t>
+              <a:t>19.01.2024</a:t>
             </a:fld>
             <a:endParaRPr lang="ru-RU"/>
           </a:p>
@@ -1966,7 +1965,7 @@
           <a:p>
             <a:fld id="{88A32176-7EFE-4FE2-84E1-389D53F7E611}" type="datetimeFigureOut">
               <a:rPr lang="ru-RU" smtClean="0"/>
-              <a:t>16.01.2024</a:t>
+              <a:t>19.01.2024</a:t>
             </a:fld>
             <a:endParaRPr lang="ru-RU"/>
           </a:p>
@@ -2079,7 +2078,7 @@
           <a:p>
             <a:fld id="{88A32176-7EFE-4FE2-84E1-389D53F7E611}" type="datetimeFigureOut">
               <a:rPr lang="ru-RU" smtClean="0"/>
-              <a:t>16.01.2024</a:t>
+              <a:t>19.01.2024</a:t>
             </a:fld>
             <a:endParaRPr lang="ru-RU"/>
           </a:p>
@@ -2390,7 +2389,7 @@
           <a:p>
             <a:fld id="{88A32176-7EFE-4FE2-84E1-389D53F7E611}" type="datetimeFigureOut">
               <a:rPr lang="ru-RU" smtClean="0"/>
-              <a:t>16.01.2024</a:t>
+              <a:t>19.01.2024</a:t>
             </a:fld>
             <a:endParaRPr lang="ru-RU"/>
           </a:p>
@@ -2678,7 +2677,7 @@
           <a:p>
             <a:fld id="{88A32176-7EFE-4FE2-84E1-389D53F7E611}" type="datetimeFigureOut">
               <a:rPr lang="ru-RU" smtClean="0"/>
-              <a:t>16.01.2024</a:t>
+              <a:t>19.01.2024</a:t>
             </a:fld>
             <a:endParaRPr lang="ru-RU"/>
           </a:p>
@@ -2919,7 +2918,7 @@
           <a:p>
             <a:fld id="{88A32176-7EFE-4FE2-84E1-389D53F7E611}" type="datetimeFigureOut">
               <a:rPr lang="ru-RU" smtClean="0"/>
-              <a:t>16.01.2024</a:t>
+              <a:t>19.01.2024</a:t>
             </a:fld>
             <a:endParaRPr lang="ru-RU"/>
           </a:p>
@@ -3958,89 +3957,6 @@
 <file path=ppt/slides/slide10.xml><?xml version="1.0" encoding="utf-8"?>
 <p:sld xmlns:a="http://schemas.openxmlformats.org/drawingml/2006/main" xmlns:r="http://schemas.openxmlformats.org/officeDocument/2006/relationships" xmlns:p="http://schemas.openxmlformats.org/presentationml/2006/main">
   <p:cSld>
-    <p:spTree>
-      <p:nvGrpSpPr>
-        <p:cNvPr id="1" name=""/>
-        <p:cNvGrpSpPr/>
-        <p:nvPr/>
-      </p:nvGrpSpPr>
-      <p:grpSpPr>
-        <a:xfrm>
-          <a:off x="0" y="0"/>
-          <a:ext cx="0" cy="0"/>
-          <a:chOff x="0" y="0"/>
-          <a:chExt cx="0" cy="0"/>
-        </a:xfrm>
-      </p:grpSpPr>
-      <p:sp>
-        <p:nvSpPr>
-          <p:cNvPr id="2" name="Заголовок 1">
-            <a:extLst>
-              <a:ext uri="{FF2B5EF4-FFF2-40B4-BE49-F238E27FC236}">
-                <a16:creationId xmlns:a16="http://schemas.microsoft.com/office/drawing/2014/main" id="{D236386B-8A07-3469-24BF-0E8A4258BAA2}"/>
-              </a:ext>
-            </a:extLst>
-          </p:cNvPr>
-          <p:cNvSpPr>
-            <a:spLocks noGrp="1"/>
-          </p:cNvSpPr>
-          <p:nvPr>
-            <p:ph type="title"/>
-          </p:nvPr>
-        </p:nvSpPr>
-        <p:spPr/>
-        <p:txBody>
-          <a:bodyPr/>
-          <a:lstStyle/>
-          <a:p>
-            <a:r>
-              <a:rPr lang="ru-RU" dirty="0"/>
-              <a:t>Видео игрового процесса</a:t>
-            </a:r>
-          </a:p>
-        </p:txBody>
-      </p:sp>
-      <p:sp>
-        <p:nvSpPr>
-          <p:cNvPr id="3" name="Объект 2">
-            <a:extLst>
-              <a:ext uri="{FF2B5EF4-FFF2-40B4-BE49-F238E27FC236}">
-                <a16:creationId xmlns:a16="http://schemas.microsoft.com/office/drawing/2014/main" id="{F0359C1E-7E69-4D05-3BF7-C2B7289DFAAF}"/>
-              </a:ext>
-            </a:extLst>
-          </p:cNvPr>
-          <p:cNvSpPr>
-            <a:spLocks noGrp="1"/>
-          </p:cNvSpPr>
-          <p:nvPr>
-            <p:ph idx="1"/>
-          </p:nvPr>
-        </p:nvSpPr>
-        <p:spPr/>
-        <p:txBody>
-          <a:bodyPr/>
-          <a:lstStyle/>
-          <a:p>
-            <a:endParaRPr lang="ru-RU"/>
-          </a:p>
-        </p:txBody>
-      </p:sp>
-    </p:spTree>
-    <p:extLst>
-      <p:ext uri="{BB962C8B-B14F-4D97-AF65-F5344CB8AC3E}">
-        <p14:creationId xmlns:p14="http://schemas.microsoft.com/office/powerpoint/2010/main" val="3605805336"/>
-      </p:ext>
-    </p:extLst>
-  </p:cSld>
-  <p:clrMapOvr>
-    <a:masterClrMapping/>
-  </p:clrMapOvr>
-</p:sld>
-</file>
-
-<file path=ppt/slides/slide11.xml><?xml version="1.0" encoding="utf-8"?>
-<p:sld xmlns:a="http://schemas.openxmlformats.org/drawingml/2006/main" xmlns:r="http://schemas.openxmlformats.org/officeDocument/2006/relationships" xmlns:p="http://schemas.openxmlformats.org/presentationml/2006/main">
-  <p:cSld>
     <p:bg>
       <p:bgPr>
         <a:solidFill>
@@ -7178,10 +7094,10 @@
       </p:sp>
       <p:pic>
         <p:nvPicPr>
-          <p:cNvPr id="9" name="Рисунок 8">
-            <a:extLst>
-              <a:ext uri="{FF2B5EF4-FFF2-40B4-BE49-F238E27FC236}">
-                <a16:creationId xmlns:a16="http://schemas.microsoft.com/office/drawing/2014/main" id="{08CD1DC3-CC2A-AF2B-ED29-2A612879AC70}"/>
+          <p:cNvPr id="6" name="Рисунок 5">
+            <a:extLst>
+              <a:ext uri="{FF2B5EF4-FFF2-40B4-BE49-F238E27FC236}">
+                <a16:creationId xmlns:a16="http://schemas.microsoft.com/office/drawing/2014/main" id="{DB141704-9D49-B9AD-4BA9-DC8D3BB493DF}"/>
               </a:ext>
             </a:extLst>
           </p:cNvPr>
@@ -7198,8 +7114,8 @@
         </p:blipFill>
         <p:spPr>
           <a:xfrm>
-            <a:off x="4502428" y="854827"/>
-            <a:ext cx="7225748" cy="5148345"/>
+            <a:off x="4346678" y="863631"/>
+            <a:ext cx="7517125" cy="5130737"/>
           </a:xfrm>
           <a:prstGeom prst="rect">
             <a:avLst/>
@@ -7805,6 +7721,14 @@
 <file path=ppt/slides/slide7.xml><?xml version="1.0" encoding="utf-8"?>
 <p:sld xmlns:a="http://schemas.openxmlformats.org/drawingml/2006/main" xmlns:r="http://schemas.openxmlformats.org/officeDocument/2006/relationships" xmlns:p="http://schemas.openxmlformats.org/presentationml/2006/main">
   <p:cSld>
+    <p:bg>
+      <p:bgPr>
+        <a:solidFill>
+          <a:schemeClr val="bg1"/>
+        </a:solidFill>
+        <a:effectLst/>
+      </p:bgPr>
+    </p:bg>
     <p:spTree>
       <p:nvGrpSpPr>
         <p:cNvPr id="1" name=""/>
@@ -7819,12 +7743,485 @@
           <a:chExt cx="0" cy="0"/>
         </a:xfrm>
       </p:grpSpPr>
+      <p:sp useBgFill="1">
+        <p:nvSpPr>
+          <p:cNvPr id="7" name="Rectangle 9">
+            <a:extLst>
+              <a:ext uri="{FF2B5EF4-FFF2-40B4-BE49-F238E27FC236}">
+                <a16:creationId xmlns:a16="http://schemas.microsoft.com/office/drawing/2014/main" id="{A8384FB5-9ADC-4DDC-881B-597D56F5B15D}"/>
+              </a:ext>
+              <a:ext uri="{C183D7F6-B498-43B3-948B-1728B52AA6E4}">
+                <adec:decorative xmlns:adec="http://schemas.microsoft.com/office/drawing/2017/decorative" val="1"/>
+              </a:ext>
+            </a:extLst>
+          </p:cNvPr>
+          <p:cNvSpPr>
+            <a:spLocks noGrp="1" noRot="1" noChangeAspect="1" noMove="1" noResize="1" noEditPoints="1" noAdjustHandles="1" noChangeArrowheads="1" noChangeShapeType="1" noTextEdit="1"/>
+          </p:cNvSpPr>
+          <p:nvPr>
+            <p:extLst>
+              <p:ext uri="{386F3935-93C4-4BCD-93E2-E3B085C9AB24}">
+                <p16:designElem xmlns:p16="http://schemas.microsoft.com/office/powerpoint/2015/main" val="1"/>
+              </p:ext>
+            </p:extLst>
+          </p:nvPr>
+        </p:nvSpPr>
+        <p:spPr>
+          <a:xfrm>
+            <a:off x="0" y="0"/>
+            <a:ext cx="12192000" cy="6858000"/>
+          </a:xfrm>
+          <a:prstGeom prst="rect">
+            <a:avLst/>
+          </a:prstGeom>
+          <a:ln w="12700" cap="flat" cmpd="sng" algn="ctr">
+            <a:noFill/>
+            <a:prstDash val="solid"/>
+            <a:miter lim="800000"/>
+          </a:ln>
+          <a:effectLst/>
+          <a:extLst>
+            <a:ext uri="{91240B29-F687-4F45-9708-019B960494DF}">
+              <a14:hiddenLine xmlns:a14="http://schemas.microsoft.com/office/drawing/2010/main" w="12700" cap="flat" cmpd="sng" algn="ctr">
+                <a:solidFill>
+                  <a:schemeClr val="accent1">
+                    <a:shade val="50000"/>
+                  </a:schemeClr>
+                </a:solidFill>
+                <a:prstDash val="solid"/>
+                <a:miter lim="800000"/>
+              </a14:hiddenLine>
+            </a:ext>
+          </a:extLst>
+        </p:spPr>
+        <p:style>
+          <a:lnRef idx="2">
+            <a:schemeClr val="accent1">
+              <a:shade val="50000"/>
+            </a:schemeClr>
+          </a:lnRef>
+          <a:fillRef idx="1">
+            <a:schemeClr val="accent1"/>
+          </a:fillRef>
+          <a:effectRef idx="0">
+            <a:schemeClr val="accent1"/>
+          </a:effectRef>
+          <a:fontRef idx="minor">
+            <a:schemeClr val="lt1"/>
+          </a:fontRef>
+        </p:style>
+        <p:txBody>
+          <a:bodyPr rtlCol="0" anchor="ctr"/>
+          <a:lstStyle/>
+          <a:p>
+            <a:pPr algn="ctr"/>
+            <a:endParaRPr lang="en-US"/>
+          </a:p>
+        </p:txBody>
+      </p:sp>
+      <p:sp>
+        <p:nvSpPr>
+          <p:cNvPr id="8" name="Rectangle 11">
+            <a:extLst>
+              <a:ext uri="{FF2B5EF4-FFF2-40B4-BE49-F238E27FC236}">
+                <a16:creationId xmlns:a16="http://schemas.microsoft.com/office/drawing/2014/main" id="{91E5A9A7-95C6-4F4F-B00E-C82E07FE62EF}"/>
+              </a:ext>
+              <a:ext uri="{C183D7F6-B498-43B3-948B-1728B52AA6E4}">
+                <adec:decorative xmlns:adec="http://schemas.microsoft.com/office/drawing/2017/decorative" val="1"/>
+              </a:ext>
+            </a:extLst>
+          </p:cNvPr>
+          <p:cNvSpPr>
+            <a:spLocks noGrp="1" noRot="1" noChangeAspect="1" noMove="1" noResize="1" noEditPoints="1" noAdjustHandles="1" noChangeArrowheads="1" noChangeShapeType="1" noTextEdit="1"/>
+          </p:cNvSpPr>
+          <p:nvPr>
+            <p:extLst>
+              <p:ext uri="{386F3935-93C4-4BCD-93E2-E3B085C9AB24}">
+                <p16:designElem xmlns:p16="http://schemas.microsoft.com/office/powerpoint/2015/main" val="1"/>
+              </p:ext>
+            </p:extLst>
+          </p:nvPr>
+        </p:nvSpPr>
+        <p:spPr>
+          <a:xfrm rot="5400000" flipH="1">
+            <a:off x="-1417539" y="1417538"/>
+            <a:ext cx="6875818" cy="4040744"/>
+          </a:xfrm>
+          <a:prstGeom prst="rect">
+            <a:avLst/>
+          </a:prstGeom>
+          <a:gradFill>
+            <a:gsLst>
+              <a:gs pos="0">
+                <a:srgbClr val="000000"/>
+              </a:gs>
+              <a:gs pos="100000">
+                <a:schemeClr val="accent1">
+                  <a:lumMod val="75000"/>
+                </a:schemeClr>
+              </a:gs>
+            </a:gsLst>
+            <a:lin ang="18600000" scaled="0"/>
+          </a:gradFill>
+          <a:ln>
+            <a:noFill/>
+          </a:ln>
+        </p:spPr>
+        <p:style>
+          <a:lnRef idx="2">
+            <a:schemeClr val="accent1">
+              <a:shade val="50000"/>
+            </a:schemeClr>
+          </a:lnRef>
+          <a:fillRef idx="1">
+            <a:schemeClr val="accent1"/>
+          </a:fillRef>
+          <a:effectRef idx="0">
+            <a:schemeClr val="accent1"/>
+          </a:effectRef>
+          <a:fontRef idx="minor">
+            <a:schemeClr val="lt1"/>
+          </a:fontRef>
+        </p:style>
+        <p:txBody>
+          <a:bodyPr rtlCol="0" anchor="ctr"/>
+          <a:lstStyle/>
+          <a:p>
+            <a:pPr algn="ctr"/>
+            <a:endParaRPr lang="en-US" dirty="0"/>
+          </a:p>
+        </p:txBody>
+      </p:sp>
+      <p:sp>
+        <p:nvSpPr>
+          <p:cNvPr id="9" name="Rectangle 13">
+            <a:extLst>
+              <a:ext uri="{FF2B5EF4-FFF2-40B4-BE49-F238E27FC236}">
+                <a16:creationId xmlns:a16="http://schemas.microsoft.com/office/drawing/2014/main" id="{D07DD2DE-F619-49DD-B5E7-03A290FF4ED1}"/>
+              </a:ext>
+              <a:ext uri="{C183D7F6-B498-43B3-948B-1728B52AA6E4}">
+                <adec:decorative xmlns:adec="http://schemas.microsoft.com/office/drawing/2017/decorative" val="1"/>
+              </a:ext>
+            </a:extLst>
+          </p:cNvPr>
+          <p:cNvSpPr>
+            <a:spLocks noGrp="1" noRot="1" noChangeAspect="1" noMove="1" noResize="1" noEditPoints="1" noAdjustHandles="1" noChangeArrowheads="1" noChangeShapeType="1" noTextEdit="1"/>
+          </p:cNvSpPr>
+          <p:nvPr>
+            <p:extLst>
+              <p:ext uri="{386F3935-93C4-4BCD-93E2-E3B085C9AB24}">
+                <p16:designElem xmlns:p16="http://schemas.microsoft.com/office/powerpoint/2015/main" val="1"/>
+              </p:ext>
+            </p:extLst>
+          </p:nvPr>
+        </p:nvSpPr>
+        <p:spPr>
+          <a:xfrm rot="16200000">
+            <a:off x="-158495" y="2660473"/>
+            <a:ext cx="4355594" cy="4038603"/>
+          </a:xfrm>
+          <a:prstGeom prst="rect">
+            <a:avLst/>
+          </a:prstGeom>
+          <a:gradFill>
+            <a:gsLst>
+              <a:gs pos="0">
+                <a:schemeClr val="accent1">
+                  <a:alpha val="50000"/>
+                </a:schemeClr>
+              </a:gs>
+              <a:gs pos="100000">
+                <a:schemeClr val="accent1">
+                  <a:lumMod val="50000"/>
+                  <a:alpha val="0"/>
+                </a:schemeClr>
+              </a:gs>
+            </a:gsLst>
+            <a:lin ang="11400000" scaled="0"/>
+          </a:gradFill>
+          <a:ln>
+            <a:noFill/>
+          </a:ln>
+        </p:spPr>
+        <p:style>
+          <a:lnRef idx="2">
+            <a:schemeClr val="accent1">
+              <a:shade val="50000"/>
+            </a:schemeClr>
+          </a:lnRef>
+          <a:fillRef idx="1">
+            <a:schemeClr val="accent1"/>
+          </a:fillRef>
+          <a:effectRef idx="0">
+            <a:schemeClr val="accent1"/>
+          </a:effectRef>
+          <a:fontRef idx="minor">
+            <a:schemeClr val="lt1"/>
+          </a:fontRef>
+        </p:style>
+        <p:txBody>
+          <a:bodyPr rtlCol="0" anchor="ctr"/>
+          <a:lstStyle/>
+          <a:p>
+            <a:pPr algn="ctr"/>
+            <a:endParaRPr lang="en-US"/>
+          </a:p>
+        </p:txBody>
+      </p:sp>
+      <p:sp>
+        <p:nvSpPr>
+          <p:cNvPr id="11" name="Rectangle 15">
+            <a:extLst>
+              <a:ext uri="{FF2B5EF4-FFF2-40B4-BE49-F238E27FC236}">
+                <a16:creationId xmlns:a16="http://schemas.microsoft.com/office/drawing/2014/main" id="{85149191-5F60-4A28-AAFF-039F96B0F3EC}"/>
+              </a:ext>
+              <a:ext uri="{C183D7F6-B498-43B3-948B-1728B52AA6E4}">
+                <adec:decorative xmlns:adec="http://schemas.microsoft.com/office/drawing/2017/decorative" val="1"/>
+              </a:ext>
+            </a:extLst>
+          </p:cNvPr>
+          <p:cNvSpPr>
+            <a:spLocks noGrp="1" noRot="1" noChangeAspect="1" noMove="1" noResize="1" noEditPoints="1" noAdjustHandles="1" noChangeArrowheads="1" noChangeShapeType="1" noTextEdit="1"/>
+          </p:cNvSpPr>
+          <p:nvPr>
+            <p:extLst>
+              <p:ext uri="{386F3935-93C4-4BCD-93E2-E3B085C9AB24}">
+                <p16:designElem xmlns:p16="http://schemas.microsoft.com/office/powerpoint/2015/main" val="1"/>
+              </p:ext>
+            </p:extLst>
+          </p:nvPr>
+        </p:nvSpPr>
+        <p:spPr>
+          <a:xfrm rot="16200000" flipH="1">
+            <a:off x="-1180882" y="1638085"/>
+            <a:ext cx="6857572" cy="3581401"/>
+          </a:xfrm>
+          <a:prstGeom prst="rect">
+            <a:avLst/>
+          </a:prstGeom>
+          <a:gradFill>
+            <a:gsLst>
+              <a:gs pos="0">
+                <a:srgbClr val="000000">
+                  <a:alpha val="59000"/>
+                </a:srgbClr>
+              </a:gs>
+              <a:gs pos="69000">
+                <a:schemeClr val="accent1">
+                  <a:alpha val="0"/>
+                </a:schemeClr>
+              </a:gs>
+            </a:gsLst>
+            <a:lin ang="13200000" scaled="0"/>
+          </a:gradFill>
+          <a:ln>
+            <a:noFill/>
+          </a:ln>
+        </p:spPr>
+        <p:style>
+          <a:lnRef idx="2">
+            <a:schemeClr val="accent1">
+              <a:shade val="50000"/>
+            </a:schemeClr>
+          </a:lnRef>
+          <a:fillRef idx="1">
+            <a:schemeClr val="accent1"/>
+          </a:fillRef>
+          <a:effectRef idx="0">
+            <a:schemeClr val="accent1"/>
+          </a:effectRef>
+          <a:fontRef idx="minor">
+            <a:schemeClr val="lt1"/>
+          </a:fontRef>
+        </p:style>
+        <p:txBody>
+          <a:bodyPr rtlCol="0" anchor="ctr"/>
+          <a:lstStyle/>
+          <a:p>
+            <a:pPr algn="ctr"/>
+            <a:endParaRPr lang="en-US" dirty="0"/>
+          </a:p>
+        </p:txBody>
+      </p:sp>
+      <p:sp>
+        <p:nvSpPr>
+          <p:cNvPr id="13" name="Freeform: Shape 17">
+            <a:extLst>
+              <a:ext uri="{FF2B5EF4-FFF2-40B4-BE49-F238E27FC236}">
+                <a16:creationId xmlns:a16="http://schemas.microsoft.com/office/drawing/2014/main" id="{F8260ED5-17F7-4158-B241-D51DD4CF1B7E}"/>
+              </a:ext>
+              <a:ext uri="{C183D7F6-B498-43B3-948B-1728B52AA6E4}">
+                <adec:decorative xmlns:adec="http://schemas.microsoft.com/office/drawing/2017/decorative" val="1"/>
+              </a:ext>
+            </a:extLst>
+          </p:cNvPr>
+          <p:cNvSpPr>
+            <a:spLocks noGrp="1" noRot="1" noChangeAspect="1" noMove="1" noResize="1" noEditPoints="1" noAdjustHandles="1" noChangeArrowheads="1" noChangeShapeType="1" noTextEdit="1"/>
+          </p:cNvSpPr>
+          <p:nvPr>
+            <p:extLst>
+              <p:ext uri="{386F3935-93C4-4BCD-93E2-E3B085C9AB24}">
+                <p16:designElem xmlns:p16="http://schemas.microsoft.com/office/powerpoint/2015/main" val="1"/>
+              </p:ext>
+            </p:extLst>
+          </p:nvPr>
+        </p:nvSpPr>
+        <p:spPr>
+          <a:xfrm rot="6097846">
+            <a:off x="-747355" y="1201312"/>
+            <a:ext cx="4808302" cy="4088666"/>
+          </a:xfrm>
+          <a:custGeom>
+            <a:avLst/>
+            <a:gdLst>
+              <a:gd name="connsiteX0" fmla="*/ 48844 w 4808302"/>
+              <a:gd name="connsiteY0" fmla="*/ 2888671 h 4088666"/>
+              <a:gd name="connsiteX1" fmla="*/ 0 w 4808302"/>
+              <a:gd name="connsiteY1" fmla="*/ 2404151 h 4088666"/>
+              <a:gd name="connsiteX2" fmla="*/ 2404151 w 4808302"/>
+              <a:gd name="connsiteY2" fmla="*/ 0 h 4088666"/>
+              <a:gd name="connsiteX3" fmla="*/ 4808302 w 4808302"/>
+              <a:gd name="connsiteY3" fmla="*/ 2404151 h 4088666"/>
+              <a:gd name="connsiteX4" fmla="*/ 4700216 w 4808302"/>
+              <a:gd name="connsiteY4" fmla="*/ 3119072 h 4088666"/>
+              <a:gd name="connsiteX5" fmla="*/ 4643143 w 4808302"/>
+              <a:gd name="connsiteY5" fmla="*/ 3275009 h 4088666"/>
+              <a:gd name="connsiteX6" fmla="*/ 690093 w 4808302"/>
+              <a:gd name="connsiteY6" fmla="*/ 4088666 h 4088666"/>
+              <a:gd name="connsiteX7" fmla="*/ 548991 w 4808302"/>
+              <a:gd name="connsiteY7" fmla="*/ 3933414 h 4088666"/>
+              <a:gd name="connsiteX8" fmla="*/ 48844 w 4808302"/>
+              <a:gd name="connsiteY8" fmla="*/ 2888671 h 4088666"/>
+            </a:gdLst>
+            <a:ahLst/>
+            <a:cxnLst>
+              <a:cxn ang="0">
+                <a:pos x="connsiteX0" y="connsiteY0"/>
+              </a:cxn>
+              <a:cxn ang="0">
+                <a:pos x="connsiteX1" y="connsiteY1"/>
+              </a:cxn>
+              <a:cxn ang="0">
+                <a:pos x="connsiteX2" y="connsiteY2"/>
+              </a:cxn>
+              <a:cxn ang="0">
+                <a:pos x="connsiteX3" y="connsiteY3"/>
+              </a:cxn>
+              <a:cxn ang="0">
+                <a:pos x="connsiteX4" y="connsiteY4"/>
+              </a:cxn>
+              <a:cxn ang="0">
+                <a:pos x="connsiteX5" y="connsiteY5"/>
+              </a:cxn>
+              <a:cxn ang="0">
+                <a:pos x="connsiteX6" y="connsiteY6"/>
+              </a:cxn>
+              <a:cxn ang="0">
+                <a:pos x="connsiteX7" y="connsiteY7"/>
+              </a:cxn>
+              <a:cxn ang="0">
+                <a:pos x="connsiteX8" y="connsiteY8"/>
+              </a:cxn>
+            </a:cxnLst>
+            <a:rect l="l" t="t" r="r" b="b"/>
+            <a:pathLst>
+              <a:path w="4808302" h="4088666">
+                <a:moveTo>
+                  <a:pt x="48844" y="2888671"/>
+                </a:moveTo>
+                <a:cubicBezTo>
+                  <a:pt x="16818" y="2732167"/>
+                  <a:pt x="0" y="2570123"/>
+                  <a:pt x="0" y="2404151"/>
+                </a:cubicBezTo>
+                <a:cubicBezTo>
+                  <a:pt x="0" y="1076375"/>
+                  <a:pt x="1076375" y="0"/>
+                  <a:pt x="2404151" y="0"/>
+                </a:cubicBezTo>
+                <a:cubicBezTo>
+                  <a:pt x="3731927" y="0"/>
+                  <a:pt x="4808302" y="1076375"/>
+                  <a:pt x="4808302" y="2404151"/>
+                </a:cubicBezTo>
+                <a:cubicBezTo>
+                  <a:pt x="4808302" y="2653109"/>
+                  <a:pt x="4770461" y="2893229"/>
+                  <a:pt x="4700216" y="3119072"/>
+                </a:cubicBezTo>
+                <a:lnTo>
+                  <a:pt x="4643143" y="3275009"/>
+                </a:lnTo>
+                <a:lnTo>
+                  <a:pt x="690093" y="4088666"/>
+                </a:lnTo>
+                <a:lnTo>
+                  <a:pt x="548991" y="3933414"/>
+                </a:lnTo>
+                <a:cubicBezTo>
+                  <a:pt x="304015" y="3636572"/>
+                  <a:pt x="128908" y="3279932"/>
+                  <a:pt x="48844" y="2888671"/>
+                </a:cubicBezTo>
+                <a:close/>
+              </a:path>
+            </a:pathLst>
+          </a:custGeom>
+          <a:gradFill>
+            <a:gsLst>
+              <a:gs pos="39000">
+                <a:schemeClr val="accent1">
+                  <a:lumMod val="60000"/>
+                  <a:lumOff val="40000"/>
+                  <a:alpha val="0"/>
+                </a:schemeClr>
+              </a:gs>
+              <a:gs pos="100000">
+                <a:schemeClr val="accent1">
+                  <a:lumMod val="75000"/>
+                  <a:alpha val="26000"/>
+                </a:schemeClr>
+              </a:gs>
+            </a:gsLst>
+            <a:lin ang="18600000" scaled="0"/>
+          </a:gradFill>
+          <a:ln>
+            <a:noFill/>
+          </a:ln>
+        </p:spPr>
+        <p:style>
+          <a:lnRef idx="2">
+            <a:schemeClr val="accent1">
+              <a:shade val="50000"/>
+            </a:schemeClr>
+          </a:lnRef>
+          <a:fillRef idx="1">
+            <a:schemeClr val="accent1"/>
+          </a:fillRef>
+          <a:effectRef idx="0">
+            <a:schemeClr val="accent1"/>
+          </a:effectRef>
+          <a:fontRef idx="minor">
+            <a:schemeClr val="lt1"/>
+          </a:fontRef>
+        </p:style>
+        <p:txBody>
+          <a:bodyPr wrap="square" rtlCol="0" anchor="ctr">
+            <a:noAutofit/>
+          </a:bodyPr>
+          <a:lstStyle/>
+          <a:p>
+            <a:pPr algn="ctr"/>
+            <a:endParaRPr lang="en-US" dirty="0"/>
+          </a:p>
+        </p:txBody>
+      </p:sp>
       <p:sp>
         <p:nvSpPr>
           <p:cNvPr id="2" name="Заголовок 1">
             <a:extLst>
               <a:ext uri="{FF2B5EF4-FFF2-40B4-BE49-F238E27FC236}">
-                <a16:creationId xmlns:a16="http://schemas.microsoft.com/office/drawing/2014/main" id="{F381D123-E741-D4DD-6612-805272090D9C}"/>
+                <a16:creationId xmlns:a16="http://schemas.microsoft.com/office/drawing/2014/main" id="{4DFDA33D-8261-1279-C0AA-C1116FAA2BA6}"/>
               </a:ext>
             </a:extLst>
           </p:cNvPr>
@@ -7835,47 +8232,79 @@
             <p:ph type="title"/>
           </p:nvPr>
         </p:nvSpPr>
-        <p:spPr/>
-        <p:txBody>
-          <a:bodyPr/>
-          <a:lstStyle/>
-          <a:p>
-            <a:r>
-              <a:rPr lang="ru-RU"/>
-              <a:t>Статистика</a:t>
-            </a:r>
-          </a:p>
-        </p:txBody>
-      </p:sp>
-      <p:sp>
-        <p:nvSpPr>
-          <p:cNvPr id="3" name="Объект 2">
-            <a:extLst>
-              <a:ext uri="{FF2B5EF4-FFF2-40B4-BE49-F238E27FC236}">
-                <a16:creationId xmlns:a16="http://schemas.microsoft.com/office/drawing/2014/main" id="{B82D7C7E-1783-D231-C1B4-6A54D327D329}"/>
-              </a:ext>
-            </a:extLst>
-          </p:cNvPr>
-          <p:cNvSpPr>
-            <a:spLocks noGrp="1"/>
-          </p:cNvSpPr>
+        <p:spPr>
+          <a:xfrm>
+            <a:off x="660041" y="2767106"/>
+            <a:ext cx="2880828" cy="3071906"/>
+          </a:xfrm>
+        </p:spPr>
+        <p:txBody>
+          <a:bodyPr vert="horz" lIns="91440" tIns="45720" rIns="91440" bIns="45720" rtlCol="0" anchor="t">
+            <a:normAutofit/>
+          </a:bodyPr>
+          <a:lstStyle/>
+          <a:p>
+            <a:r>
+              <a:rPr lang="ru-RU" sz="4000" dirty="0">
+                <a:solidFill>
+                  <a:srgbClr val="FFFFFF"/>
+                </a:solidFill>
+              </a:rPr>
+              <a:t>Уровень</a:t>
+            </a:r>
+            <a:endParaRPr lang="en-US" sz="4000" kern="1200" dirty="0">
+              <a:solidFill>
+                <a:srgbClr val="FFFFFF"/>
+              </a:solidFill>
+              <a:latin typeface="+mj-lt"/>
+              <a:ea typeface="+mj-ea"/>
+              <a:cs typeface="+mj-cs"/>
+            </a:endParaRPr>
+          </a:p>
+        </p:txBody>
+      </p:sp>
+      <p:pic>
+        <p:nvPicPr>
+          <p:cNvPr id="3" name="Объект 4" descr="Изображение выглядит как снимок экрана, Графическое программное обеспечение, Мультимедийное программное обеспечение&#10;&#10;Автоматически созданное описание">
+            <a:extLst>
+              <a:ext uri="{FF2B5EF4-FFF2-40B4-BE49-F238E27FC236}">
+                <a16:creationId xmlns:a16="http://schemas.microsoft.com/office/drawing/2014/main" id="{0404C0A8-A5FE-3D16-6C5A-30160BBDBE62}"/>
+              </a:ext>
+            </a:extLst>
+          </p:cNvPr>
+          <p:cNvPicPr>
+            <a:picLocks noGrp="1" noChangeAspect="1"/>
+          </p:cNvPicPr>
           <p:nvPr>
             <p:ph idx="1"/>
           </p:nvPr>
-        </p:nvSpPr>
-        <p:spPr/>
-        <p:txBody>
-          <a:bodyPr/>
-          <a:lstStyle/>
-          <a:p>
-            <a:endParaRPr lang="ru-RU"/>
-          </a:p>
-        </p:txBody>
-      </p:sp>
+        </p:nvPicPr>
+        <p:blipFill>
+          <a:blip r:embed="rId2">
+            <a:extLst>
+              <a:ext uri="{28A0092B-C50C-407E-A947-70E740481C1C}">
+                <a14:useLocalDpi xmlns:a14="http://schemas.microsoft.com/office/drawing/2010/main" val="0"/>
+              </a:ext>
+            </a:extLst>
+          </a:blip>
+          <a:stretch>
+            <a:fillRect/>
+          </a:stretch>
+        </p:blipFill>
+        <p:spPr>
+          <a:xfrm>
+            <a:off x="4207933" y="1298703"/>
+            <a:ext cx="7347537" cy="4261570"/>
+          </a:xfrm>
+          <a:prstGeom prst="rect">
+            <a:avLst/>
+          </a:prstGeom>
+        </p:spPr>
+      </p:pic>
     </p:spTree>
     <p:extLst>
       <p:ext uri="{BB962C8B-B14F-4D97-AF65-F5344CB8AC3E}">
-        <p14:creationId xmlns:p14="http://schemas.microsoft.com/office/powerpoint/2010/main" val="556494605"/>
+        <p14:creationId xmlns:p14="http://schemas.microsoft.com/office/powerpoint/2010/main" val="2378396323"/>
       </p:ext>
     </p:extLst>
   </p:cSld>
@@ -7907,7 +8336,7 @@
           <p:cNvPr id="2" name="Заголовок 1">
             <a:extLst>
               <a:ext uri="{FF2B5EF4-FFF2-40B4-BE49-F238E27FC236}">
-                <a16:creationId xmlns:a16="http://schemas.microsoft.com/office/drawing/2014/main" id="{3C2D228D-23D3-5947-16A7-5C65D0533752}"/>
+                <a16:creationId xmlns:a16="http://schemas.microsoft.com/office/drawing/2014/main" id="{F381D123-E741-D4DD-6612-805272090D9C}"/>
               </a:ext>
             </a:extLst>
           </p:cNvPr>
@@ -7924,8 +8353,8 @@
           <a:lstStyle/>
           <a:p>
             <a:r>
-              <a:rPr lang="ru-RU" dirty="0"/>
-              <a:t>Выбор уровня сложности</a:t>
+              <a:rPr lang="ru-RU"/>
+              <a:t>Статистика</a:t>
             </a:r>
           </a:p>
         </p:txBody>
@@ -7935,7 +8364,7 @@
           <p:cNvPr id="3" name="Объект 2">
             <a:extLst>
               <a:ext uri="{FF2B5EF4-FFF2-40B4-BE49-F238E27FC236}">
-                <a16:creationId xmlns:a16="http://schemas.microsoft.com/office/drawing/2014/main" id="{95257243-230F-14D0-EB78-047A92FC67C9}"/>
+                <a16:creationId xmlns:a16="http://schemas.microsoft.com/office/drawing/2014/main" id="{B82D7C7E-1783-D231-C1B4-6A54D327D329}"/>
               </a:ext>
             </a:extLst>
           </p:cNvPr>
@@ -7958,7 +8387,7 @@
     </p:spTree>
     <p:extLst>
       <p:ext uri="{BB962C8B-B14F-4D97-AF65-F5344CB8AC3E}">
-        <p14:creationId xmlns:p14="http://schemas.microsoft.com/office/powerpoint/2010/main" val="1344849157"/>
+        <p14:creationId xmlns:p14="http://schemas.microsoft.com/office/powerpoint/2010/main" val="556494605"/>
       </p:ext>
     </p:extLst>
   </p:cSld>
@@ -7990,7 +8419,7 @@
           <p:cNvPr id="2" name="Заголовок 1">
             <a:extLst>
               <a:ext uri="{FF2B5EF4-FFF2-40B4-BE49-F238E27FC236}">
-                <a16:creationId xmlns:a16="http://schemas.microsoft.com/office/drawing/2014/main" id="{737A5D66-F301-0F1A-35DF-8DC685D5B440}"/>
+                <a16:creationId xmlns:a16="http://schemas.microsoft.com/office/drawing/2014/main" id="{D236386B-8A07-3469-24BF-0E8A4258BAA2}"/>
               </a:ext>
             </a:extLst>
           </p:cNvPr>
@@ -8008,7 +8437,7 @@
           <a:p>
             <a:r>
               <a:rPr lang="ru-RU" dirty="0"/>
-              <a:t>Уровень</a:t>
+              <a:t>Видео игрового процесса</a:t>
             </a:r>
           </a:p>
         </p:txBody>
@@ -8018,7 +8447,7 @@
           <p:cNvPr id="3" name="Объект 2">
             <a:extLst>
               <a:ext uri="{FF2B5EF4-FFF2-40B4-BE49-F238E27FC236}">
-                <a16:creationId xmlns:a16="http://schemas.microsoft.com/office/drawing/2014/main" id="{FFF4ABCF-9694-55E2-445F-E65E32D7E23F}"/>
+                <a16:creationId xmlns:a16="http://schemas.microsoft.com/office/drawing/2014/main" id="{F0359C1E-7E69-4D05-3BF7-C2B7289DFAAF}"/>
               </a:ext>
             </a:extLst>
           </p:cNvPr>
@@ -8041,7 +8470,7 @@
     </p:spTree>
     <p:extLst>
       <p:ext uri="{BB962C8B-B14F-4D97-AF65-F5344CB8AC3E}">
-        <p14:creationId xmlns:p14="http://schemas.microsoft.com/office/powerpoint/2010/main" val="179037048"/>
+        <p14:creationId xmlns:p14="http://schemas.microsoft.com/office/powerpoint/2010/main" val="3605805336"/>
       </p:ext>
     </p:extLst>
   </p:cSld>
